--- a/Documentation/Arabic Tweet Dialect AIM Challenge.pptx
+++ b/Documentation/Arabic Tweet Dialect AIM Challenge.pptx
@@ -5,7 +5,7 @@
     <p:sldMasterId id="2147483648" r:id="rId1"/>
   </p:sldMasterIdLst>
   <p:notesMasterIdLst>
-    <p:notesMasterId r:id="rId33"/>
+    <p:notesMasterId r:id="rId34"/>
   </p:notesMasterIdLst>
   <p:sldIdLst>
     <p:sldId id="256" r:id="rId2"/>
@@ -39,6 +39,7 @@
     <p:sldId id="277" r:id="rId30"/>
     <p:sldId id="274" r:id="rId31"/>
     <p:sldId id="286" r:id="rId32"/>
+    <p:sldId id="289" r:id="rId33"/>
   </p:sldIdLst>
   <p:sldSz cx="12192000" cy="6858000"/>
   <p:notesSz cx="6858000" cy="9144000"/>
@@ -7126,11 +7127,6 @@
               </a:rPr>
               <a:t>uploading.</a:t>
             </a:r>
-            <a:endParaRPr lang="en-US" dirty="0" smtClean="0">
-              <a:solidFill>
-                <a:srgbClr val="C00000"/>
-              </a:solidFill>
-            </a:endParaRPr>
           </a:p>
           <a:p>
             <a:r>
@@ -7139,15 +7135,7 @@
                   <a:srgbClr val="C00000"/>
                 </a:solidFill>
               </a:rPr>
-              <a:t>SVM </a:t>
-            </a:r>
-            <a:r>
-              <a:rPr lang="en-US" dirty="0" smtClean="0">
-                <a:solidFill>
-                  <a:srgbClr val="C00000"/>
-                </a:solidFill>
-              </a:rPr>
-              <a:t>model </a:t>
+              <a:t>SVM model </a:t>
             </a:r>
             <a:r>
               <a:rPr lang="en-US" dirty="0" err="1" smtClean="0">
@@ -7163,23 +7151,7 @@
                   <a:srgbClr val="C00000"/>
                 </a:solidFill>
               </a:rPr>
-              <a:t>  (500 MB)was </a:t>
-            </a:r>
-            <a:r>
-              <a:rPr lang="en-US" dirty="0" smtClean="0">
-                <a:solidFill>
-                  <a:srgbClr val="C00000"/>
-                </a:solidFill>
-              </a:rPr>
-              <a:t>removed to reduce the size for </a:t>
-            </a:r>
-            <a:r>
-              <a:rPr lang="en-US" dirty="0" smtClean="0">
-                <a:solidFill>
-                  <a:srgbClr val="C00000"/>
-                </a:solidFill>
-              </a:rPr>
-              <a:t>uploading. </a:t>
+              <a:t>  (500 MB)was removed to reduce the size for uploading. </a:t>
             </a:r>
           </a:p>
           <a:p>
@@ -7281,11 +7253,6 @@
               </a:rPr>
               <a:t>.</a:t>
             </a:r>
-            <a:endParaRPr lang="en-US" dirty="0" smtClean="0">
-              <a:solidFill>
-                <a:srgbClr val="C00000"/>
-              </a:solidFill>
-            </a:endParaRPr>
           </a:p>
           <a:p>
             <a:r>
@@ -7294,31 +7261,7 @@
                   <a:srgbClr val="C00000"/>
                 </a:solidFill>
               </a:rPr>
-              <a:t>Bert model </a:t>
-            </a:r>
-            <a:r>
-              <a:rPr lang="en-US" dirty="0" smtClean="0">
-                <a:solidFill>
-                  <a:srgbClr val="C00000"/>
-                </a:solidFill>
-              </a:rPr>
-              <a:t>weights h5 (</a:t>
-            </a:r>
-            <a:r>
-              <a:rPr lang="en-US" dirty="0" smtClean="0">
-                <a:solidFill>
-                  <a:srgbClr val="C00000"/>
-                </a:solidFill>
-              </a:rPr>
-              <a:t>9</a:t>
-            </a:r>
-            <a:r>
-              <a:rPr lang="en-US" dirty="0" smtClean="0">
-                <a:solidFill>
-                  <a:srgbClr val="C00000"/>
-                </a:solidFill>
-              </a:rPr>
-              <a:t>00 MB) </a:t>
+              <a:t>Bert model weights h5 (900 MB) </a:t>
             </a:r>
             <a:r>
               <a:rPr lang="en-US" dirty="0">
@@ -7336,15 +7279,7 @@
             </a:r>
             <a:r>
               <a:rPr lang="en-US" dirty="0" smtClean="0"/>
-              <a:t> </a:t>
-            </a:r>
-            <a:r>
-              <a:rPr lang="en-US" dirty="0" smtClean="0"/>
-              <a:t>need 27h for one epoch to finish but it’s work fine, 5 hours of training with no issues, you could try it </a:t>
-            </a:r>
-            <a:r>
-              <a:rPr lang="en-US" dirty="0" smtClean="0"/>
-              <a:t>too.</a:t>
+              <a:t> need 27h for one epoch to finish but it’s work fine, 5 hours of training with no issues, you could try it too.</a:t>
             </a:r>
           </a:p>
           <a:p>
@@ -7370,13 +7305,16 @@
                   <a:srgbClr val="00B050"/>
                 </a:solidFill>
               </a:rPr>
-              <a:t>, h5)</a:t>
-            </a:r>
-            <a:endParaRPr lang="en-US" dirty="0">
-              <a:solidFill>
-                <a:srgbClr val="00B050"/>
-              </a:solidFill>
-            </a:endParaRPr>
+              <a:t>, h5</a:t>
+            </a:r>
+            <a:r>
+              <a:rPr lang="en-US" dirty="0" smtClean="0">
+                <a:solidFill>
+                  <a:srgbClr val="00B050"/>
+                </a:solidFill>
+              </a:rPr>
+              <a:t>)</a:t>
+            </a:r>
           </a:p>
         </p:txBody>
       </p:sp>
@@ -7384,6 +7322,87 @@
     <p:extLst>
       <p:ext uri="{BB962C8B-B14F-4D97-AF65-F5344CB8AC3E}">
         <p14:creationId xmlns:p14="http://schemas.microsoft.com/office/powerpoint/2010/main" val="2398524787"/>
+      </p:ext>
+    </p:extLst>
+  </p:cSld>
+  <p:clrMapOvr>
+    <a:masterClrMapping/>
+  </p:clrMapOvr>
+</p:sld>
+</file>
+
+<file path=ppt/slides/slide32.xml><?xml version="1.0" encoding="utf-8"?>
+<p:sld xmlns:a="http://schemas.openxmlformats.org/drawingml/2006/main" xmlns:r="http://schemas.openxmlformats.org/officeDocument/2006/relationships" xmlns:p="http://schemas.openxmlformats.org/presentationml/2006/main">
+  <p:cSld>
+    <p:spTree>
+      <p:nvGrpSpPr>
+        <p:cNvPr id="1" name=""/>
+        <p:cNvGrpSpPr/>
+        <p:nvPr/>
+      </p:nvGrpSpPr>
+      <p:grpSpPr>
+        <a:xfrm>
+          <a:off x="0" y="0"/>
+          <a:ext cx="0" cy="0"/>
+          <a:chOff x="0" y="0"/>
+          <a:chExt cx="0" cy="0"/>
+        </a:xfrm>
+      </p:grpSpPr>
+      <p:sp>
+        <p:nvSpPr>
+          <p:cNvPr id="3" name="Content Placeholder 2"/>
+          <p:cNvSpPr>
+            <a:spLocks noGrp="1"/>
+          </p:cNvSpPr>
+          <p:nvPr>
+            <p:ph idx="1"/>
+          </p:nvPr>
+        </p:nvSpPr>
+        <p:spPr>
+          <a:xfrm>
+            <a:off x="838200" y="382137"/>
+            <a:ext cx="10515600" cy="5794826"/>
+          </a:xfrm>
+        </p:spPr>
+        <p:txBody>
+          <a:bodyPr>
+            <a:noAutofit/>
+          </a:bodyPr>
+          <a:lstStyle/>
+          <a:p>
+            <a:pPr marL="0" indent="0" algn="ctr">
+              <a:buNone/>
+            </a:pPr>
+            <a:endParaRPr lang="en-US" sz="8000" dirty="0" smtClean="0">
+              <a:hlinkClick r:id="rId2"/>
+            </a:endParaRPr>
+          </a:p>
+          <a:p>
+            <a:pPr marL="0" indent="0" algn="ctr">
+              <a:buNone/>
+            </a:pPr>
+            <a:endParaRPr lang="en-US" sz="8000" dirty="0">
+              <a:hlinkClick r:id="rId2"/>
+            </a:endParaRPr>
+          </a:p>
+          <a:p>
+            <a:pPr marL="0" indent="0" algn="ctr">
+              <a:buNone/>
+            </a:pPr>
+            <a:r>
+              <a:rPr lang="en-US" sz="8000" dirty="0" smtClean="0">
+                <a:hlinkClick r:id="rId2"/>
+              </a:rPr>
+              <a:t>GITHUB LINK</a:t>
+            </a:r>
+            <a:endParaRPr lang="en-US" sz="8000" dirty="0"/>
+          </a:p>
+        </p:txBody>
+      </p:sp>
+    </p:spTree>
+    <p:extLst>
+      <p:ext uri="{BB962C8B-B14F-4D97-AF65-F5344CB8AC3E}">
+        <p14:creationId xmlns:p14="http://schemas.microsoft.com/office/powerpoint/2010/main" val="302488273"/>
       </p:ext>
     </p:extLst>
   </p:cSld>
